--- a/docs/presentations/Unique Bilevel programming.pptx
+++ b/docs/presentations/Unique Bilevel programming.pptx
@@ -13174,7 +13174,7 @@
           <a:p>
             <a:r>
               <a:rPr lang="ru-RU" altLang="en-US"/>
-              <a:t>Пример 2</a:t>
+              <a:t>Пример 3</a:t>
             </a:r>
             <a:endParaRPr lang="ru-RU" altLang="en-US"/>
           </a:p>

--- a/docs/presentations/Unique Bilevel programming.pptx
+++ b/docs/presentations/Unique Bilevel programming.pptx
@@ -16361,11 +16361,14 @@
                 <a14:m>
                   <m:oMath xmlns:m="http://schemas.openxmlformats.org/officeDocument/2006/math">
                     <m:r>
-                      <a:rPr lang="en-US" altLang="en-US" i="1">
+                      <a:rPr lang="en-US" altLang="ru-RU" b="0" i="1">
+                        <a:solidFill>
+                          <a:schemeClr val="tx1"/>
+                        </a:solidFill>
                         <a:latin typeface="Cambria Math" panose="02040503050406030204" charset="0"/>
                         <a:cs typeface="Cambria Math" panose="02040503050406030204" charset="0"/>
                       </a:rPr>
-                      <m:t>𝑦</m:t>
+                      <m:t>𝜓</m:t>
                     </m:r>
                   </m:oMath>
                 </a14:m>
